--- a/プレゼン/RapidCart20200113.pptx
+++ b/プレゼン/RapidCart20200113.pptx
@@ -5117,6 +5117,40 @@
       </p:grpSpPr>
       <p:sp>
         <p:nvSpPr>
+          <p:cNvPr id="25" name="テキスト ボックス 24"/>
+          <p:cNvSpPr txBox="1"/>
+          <p:nvPr/>
+        </p:nvSpPr>
+        <p:spPr>
+          <a:xfrm>
+            <a:off x="8042161" y="4597602"/>
+            <a:ext cx="3949474" cy="954107"/>
+          </a:xfrm>
+          <a:prstGeom prst="rect">
+            <a:avLst/>
+          </a:prstGeom>
+          <a:solidFill>
+            <a:schemeClr val="bg1">
+              <a:lumMod val="95000"/>
+            </a:schemeClr>
+          </a:solidFill>
+        </p:spPr>
+        <p:txBody>
+          <a:bodyPr wrap="square" rtlCol="0">
+            <a:spAutoFit/>
+          </a:bodyPr>
+          <a:lstStyle/>
+          <a:p>
+            <a:r>
+              <a:rPr kumimoji="1" lang="ja-JP" altLang="en-US" sz="2800" smtClean="0"/>
+              <a:t>結合テスト・総合テストをしながら卒業論文執筆中</a:t>
+            </a:r>
+            <a:endParaRPr kumimoji="1" lang="ja-JP" altLang="en-US" sz="2800" dirty="0"/>
+          </a:p>
+        </p:txBody>
+      </p:sp>
+      <p:sp>
+        <p:nvSpPr>
           <p:cNvPr id="22" name="角丸四角形 21"/>
           <p:cNvSpPr/>
           <p:nvPr/>
@@ -5796,8 +5830,8 @@
         </p:nvSpPr>
         <p:spPr>
           <a:xfrm rot="16200000">
-            <a:off x="9198818" y="3768456"/>
-            <a:ext cx="1931325" cy="831785"/>
+            <a:off x="9455167" y="3512107"/>
+            <a:ext cx="1418628" cy="831785"/>
           </a:xfrm>
           <a:prstGeom prst="rightArrow">
             <a:avLst/>
@@ -5828,36 +5862,6 @@
           <a:p>
             <a:pPr algn="ctr"/>
             <a:endParaRPr kumimoji="1" lang="ja-JP" altLang="en-US"/>
-          </a:p>
-        </p:txBody>
-      </p:sp>
-      <p:sp>
-        <p:nvSpPr>
-          <p:cNvPr id="25" name="テキスト ボックス 24"/>
-          <p:cNvSpPr txBox="1"/>
-          <p:nvPr/>
-        </p:nvSpPr>
-        <p:spPr>
-          <a:xfrm>
-            <a:off x="10016898" y="4026683"/>
-            <a:ext cx="2002582" cy="523220"/>
-          </a:xfrm>
-          <a:prstGeom prst="rect">
-            <a:avLst/>
-          </a:prstGeom>
-          <a:noFill/>
-        </p:spPr>
-        <p:txBody>
-          <a:bodyPr wrap="square" rtlCol="0">
-            <a:spAutoFit/>
-          </a:bodyPr>
-          <a:lstStyle/>
-          <a:p>
-            <a:r>
-              <a:rPr kumimoji="1" lang="ja-JP" altLang="en-US" sz="2800" dirty="0" smtClean="0"/>
-              <a:t>現在の段階</a:t>
-            </a:r>
-            <a:endParaRPr kumimoji="1" lang="ja-JP" altLang="en-US" sz="2800" dirty="0"/>
           </a:p>
         </p:txBody>
       </p:sp>
@@ -6071,7 +6075,9 @@
         </p:nvSpPr>
         <p:spPr/>
         <p:txBody>
-          <a:bodyPr/>
+          <a:bodyPr>
+            <a:normAutofit/>
+          </a:bodyPr>
           <a:lstStyle/>
           <a:p>
             <a:pPr>
@@ -6079,29 +6085,75 @@
               <a:buChar char="l"/>
             </a:pPr>
             <a:r>
-              <a:rPr lang="ja-JP" altLang="en-US"/>
+              <a:rPr lang="ja-JP" altLang="en-US" sz="4000"/>
               <a:t>結合</a:t>
             </a:r>
             <a:r>
-              <a:rPr lang="en-US" altLang="ja-JP"/>
+              <a:rPr lang="en-US" altLang="ja-JP" sz="4000"/>
               <a:t>&amp;</a:t>
             </a:r>
             <a:r>
-              <a:rPr lang="ja-JP" altLang="en-US"/>
+              <a:rPr lang="ja-JP" altLang="en-US" sz="4000"/>
               <a:t>総合</a:t>
             </a:r>
             <a:r>
-              <a:rPr lang="ja-JP" altLang="en-US" smtClean="0"/>
+              <a:rPr lang="ja-JP" altLang="en-US" sz="4000" smtClean="0"/>
               <a:t>テストの検証中</a:t>
             </a:r>
-            <a:endParaRPr lang="en-US" altLang="ja-JP" smtClean="0"/>
+            <a:endParaRPr lang="en-US" altLang="ja-JP" sz="4000" smtClean="0"/>
           </a:p>
           <a:p>
             <a:pPr lvl="1">
               <a:buFont typeface="Wingdings" panose="05000000000000000000" pitchFamily="2" charset="2"/>
               <a:buChar char="l"/>
             </a:pPr>
-            <a:endParaRPr lang="en-US" altLang="ja-JP" smtClean="0"/>
+            <a:r>
+              <a:rPr lang="ja-JP" altLang="en-US" sz="3600" smtClean="0"/>
+              <a:t>バーコード認識率向上</a:t>
+            </a:r>
+            <a:endParaRPr lang="en-US" altLang="ja-JP" sz="3600" smtClean="0"/>
+          </a:p>
+          <a:p>
+            <a:pPr lvl="1">
+              <a:buFont typeface="Wingdings" panose="05000000000000000000" pitchFamily="2" charset="2"/>
+              <a:buChar char="l"/>
+            </a:pPr>
+            <a:r>
+              <a:rPr lang="en-US" altLang="ja-JP" sz="3600" smtClean="0"/>
+              <a:t>Pyzbar</a:t>
+            </a:r>
+            <a:r>
+              <a:rPr lang="ja-JP" altLang="en-US" sz="3600" smtClean="0"/>
+              <a:t>のみだと近距離での識別しかできない</a:t>
+            </a:r>
+            <a:endParaRPr lang="en-US" altLang="ja-JP" sz="3600" smtClean="0"/>
+          </a:p>
+          <a:p>
+            <a:pPr lvl="1">
+              <a:buFont typeface="Wingdings" panose="05000000000000000000" pitchFamily="2" charset="2"/>
+              <a:buChar char="l"/>
+            </a:pPr>
+            <a:r>
+              <a:rPr lang="ja-JP" altLang="en-US" sz="3600" smtClean="0"/>
+              <a:t>少し離れた</a:t>
+            </a:r>
+            <a:r>
+              <a:rPr lang="ja-JP" altLang="en-US" sz="3600"/>
+              <a:t>距離</a:t>
+            </a:r>
+            <a:r>
+              <a:rPr lang="ja-JP" altLang="en-US" sz="3600" smtClean="0"/>
+              <a:t>でも</a:t>
+            </a:r>
+            <a:r>
+              <a:rPr lang="ja-JP" altLang="en-US" sz="3600"/>
+              <a:t>認識</a:t>
+            </a:r>
+            <a:r>
+              <a:rPr lang="ja-JP" altLang="en-US" sz="3600" smtClean="0"/>
+              <a:t>できるように機能追加し検証済み</a:t>
+            </a:r>
+            <a:endParaRPr lang="en-US" altLang="ja-JP" sz="3600" smtClean="0"/>
           </a:p>
           <a:p>
             <a:pPr>
@@ -6109,11 +6161,11 @@
               <a:buChar char="l"/>
             </a:pPr>
             <a:r>
-              <a:rPr kumimoji="1" lang="ja-JP" altLang="en-US" smtClean="0"/>
+              <a:rPr kumimoji="1" lang="ja-JP" altLang="en-US" sz="4000" smtClean="0"/>
               <a:t>卒業論文</a:t>
             </a:r>
             <a:r>
-              <a:rPr kumimoji="1" lang="ja-JP" altLang="en-US"/>
+              <a:rPr kumimoji="1" lang="ja-JP" altLang="en-US" sz="4000"/>
               <a:t>執筆中</a:t>
             </a:r>
           </a:p>
@@ -6214,10 +6266,43 @@
         </p:nvSpPr>
         <p:spPr/>
         <p:txBody>
-          <a:bodyPr/>
+          <a:bodyPr>
+            <a:normAutofit/>
+          </a:bodyPr>
           <a:lstStyle/>
           <a:p>
-            <a:endParaRPr kumimoji="1" lang="ja-JP" altLang="en-US"/>
+            <a:pPr>
+              <a:buFont typeface="Wingdings" panose="05000000000000000000" pitchFamily="2" charset="2"/>
+              <a:buChar char="l"/>
+            </a:pPr>
+            <a:r>
+              <a:rPr kumimoji="1" lang="ja-JP" altLang="en-US" sz="3600" smtClean="0"/>
+              <a:t>　これ以上の実装・検証を続けるか，卒論に集中するかのタイミングか</a:t>
+            </a:r>
+            <a:endParaRPr kumimoji="1" lang="en-US" altLang="ja-JP" sz="3600" smtClean="0"/>
+          </a:p>
+          <a:p>
+            <a:pPr>
+              <a:buFont typeface="Wingdings" panose="05000000000000000000" pitchFamily="2" charset="2"/>
+              <a:buChar char="l"/>
+            </a:pPr>
+            <a:r>
+              <a:rPr lang="ja-JP" altLang="en-US" sz="3600"/>
+              <a:t>　</a:t>
+            </a:r>
+            <a:r>
+              <a:rPr lang="ja-JP" altLang="en-US" sz="3600" smtClean="0"/>
+              <a:t>認識の精度の低さ（およそ</a:t>
+            </a:r>
+            <a:r>
+              <a:rPr lang="en-US" altLang="ja-JP" sz="3600" smtClean="0"/>
+              <a:t>60%</a:t>
+            </a:r>
+            <a:r>
+              <a:rPr lang="ja-JP" altLang="en-US" sz="3600" smtClean="0"/>
+              <a:t>）</a:t>
+            </a:r>
+            <a:endParaRPr kumimoji="1" lang="ja-JP" altLang="en-US" sz="3600"/>
           </a:p>
         </p:txBody>
       </p:sp>
@@ -6305,11 +6390,7 @@
             </a:r>
             <a:r>
               <a:rPr kumimoji="1" lang="ja-JP" altLang="en-US" sz="4000" smtClean="0"/>
-              <a:t>総合</a:t>
-            </a:r>
-            <a:r>
-              <a:rPr kumimoji="1" lang="ja-JP" altLang="en-US" sz="4000" smtClean="0"/>
-              <a:t>テストの検証</a:t>
+              <a:t>総合テストの検証</a:t>
             </a:r>
             <a:endParaRPr kumimoji="1" lang="en-US" altLang="ja-JP" sz="4000" dirty="0" smtClean="0"/>
           </a:p>
